--- a/figs/figs.pptx
+++ b/figs/figs.pptx
@@ -9,6 +9,7 @@
     <p:sldId id="257" r:id="rId3"/>
     <p:sldId id="280" r:id="rId4"/>
     <p:sldId id="282" r:id="rId5"/>
+    <p:sldId id="283" r:id="rId6"/>
   </p:sldIdLst>
   <p:sldSz cx="12192000" cy="6858000"/>
   <p:notesSz cx="6858000" cy="9144000"/>
@@ -1357,7 +1358,7 @@
           <a:p>
             <a:fld id="{1855F7FB-053A-442B-97E1-F46BC341F4A1}" type="datetimeFigureOut">
               <a:rPr lang="en-US" smtClean="0"/>
-              <a:t>10/9/19</a:t>
+              <a:t>10/22/2019</a:t>
             </a:fld>
             <a:endParaRPr lang="en-US"/>
           </a:p>
@@ -1555,7 +1556,7 @@
           <a:p>
             <a:fld id="{1855F7FB-053A-442B-97E1-F46BC341F4A1}" type="datetimeFigureOut">
               <a:rPr lang="en-US" smtClean="0"/>
-              <a:t>10/9/19</a:t>
+              <a:t>10/22/2019</a:t>
             </a:fld>
             <a:endParaRPr lang="en-US"/>
           </a:p>
@@ -1763,7 +1764,7 @@
           <a:p>
             <a:fld id="{1855F7FB-053A-442B-97E1-F46BC341F4A1}" type="datetimeFigureOut">
               <a:rPr lang="en-US" smtClean="0"/>
-              <a:t>10/9/19</a:t>
+              <a:t>10/22/2019</a:t>
             </a:fld>
             <a:endParaRPr lang="en-US"/>
           </a:p>
@@ -1961,7 +1962,7 @@
           <a:p>
             <a:fld id="{1855F7FB-053A-442B-97E1-F46BC341F4A1}" type="datetimeFigureOut">
               <a:rPr lang="en-US" smtClean="0"/>
-              <a:t>10/9/19</a:t>
+              <a:t>10/22/2019</a:t>
             </a:fld>
             <a:endParaRPr lang="en-US"/>
           </a:p>
@@ -2236,7 +2237,7 @@
           <a:p>
             <a:fld id="{1855F7FB-053A-442B-97E1-F46BC341F4A1}" type="datetimeFigureOut">
               <a:rPr lang="en-US" smtClean="0"/>
-              <a:t>10/9/19</a:t>
+              <a:t>10/22/2019</a:t>
             </a:fld>
             <a:endParaRPr lang="en-US"/>
           </a:p>
@@ -2501,7 +2502,7 @@
           <a:p>
             <a:fld id="{1855F7FB-053A-442B-97E1-F46BC341F4A1}" type="datetimeFigureOut">
               <a:rPr lang="en-US" smtClean="0"/>
-              <a:t>10/9/19</a:t>
+              <a:t>10/22/2019</a:t>
             </a:fld>
             <a:endParaRPr lang="en-US"/>
           </a:p>
@@ -2913,7 +2914,7 @@
           <a:p>
             <a:fld id="{1855F7FB-053A-442B-97E1-F46BC341F4A1}" type="datetimeFigureOut">
               <a:rPr lang="en-US" smtClean="0"/>
-              <a:t>10/9/19</a:t>
+              <a:t>10/22/2019</a:t>
             </a:fld>
             <a:endParaRPr lang="en-US"/>
           </a:p>
@@ -3054,7 +3055,7 @@
           <a:p>
             <a:fld id="{1855F7FB-053A-442B-97E1-F46BC341F4A1}" type="datetimeFigureOut">
               <a:rPr lang="en-US" smtClean="0"/>
-              <a:t>10/9/19</a:t>
+              <a:t>10/22/2019</a:t>
             </a:fld>
             <a:endParaRPr lang="en-US"/>
           </a:p>
@@ -3167,7 +3168,7 @@
           <a:p>
             <a:fld id="{1855F7FB-053A-442B-97E1-F46BC341F4A1}" type="datetimeFigureOut">
               <a:rPr lang="en-US" smtClean="0"/>
-              <a:t>10/9/19</a:t>
+              <a:t>10/22/2019</a:t>
             </a:fld>
             <a:endParaRPr lang="en-US"/>
           </a:p>
@@ -3478,7 +3479,7 @@
           <a:p>
             <a:fld id="{1855F7FB-053A-442B-97E1-F46BC341F4A1}" type="datetimeFigureOut">
               <a:rPr lang="en-US" smtClean="0"/>
-              <a:t>10/9/19</a:t>
+              <a:t>10/22/2019</a:t>
             </a:fld>
             <a:endParaRPr lang="en-US"/>
           </a:p>
@@ -3766,7 +3767,7 @@
           <a:p>
             <a:fld id="{1855F7FB-053A-442B-97E1-F46BC341F4A1}" type="datetimeFigureOut">
               <a:rPr lang="en-US" smtClean="0"/>
-              <a:t>10/9/19</a:t>
+              <a:t>10/22/2019</a:t>
             </a:fld>
             <a:endParaRPr lang="en-US"/>
           </a:p>
@@ -4007,7 +4008,7 @@
           <a:p>
             <a:fld id="{1855F7FB-053A-442B-97E1-F46BC341F4A1}" type="datetimeFigureOut">
               <a:rPr lang="en-US" smtClean="0"/>
-              <a:t>10/9/19</a:t>
+              <a:t>10/22/2019</a:t>
             </a:fld>
             <a:endParaRPr lang="en-US"/>
           </a:p>
@@ -10475,6 +10476,803 @@
 </p:sld>
 </file>
 
+<file path=ppt/slides/slide5.xml><?xml version="1.0" encoding="utf-8"?>
+<p:sld xmlns:a="http://schemas.openxmlformats.org/drawingml/2006/main" xmlns:r="http://schemas.openxmlformats.org/officeDocument/2006/relationships" xmlns:p="http://schemas.openxmlformats.org/presentationml/2006/main">
+  <p:cSld>
+    <p:spTree>
+      <p:nvGrpSpPr>
+        <p:cNvPr id="1" name=""/>
+        <p:cNvGrpSpPr/>
+        <p:nvPr/>
+      </p:nvGrpSpPr>
+      <p:grpSpPr>
+        <a:xfrm>
+          <a:off x="0" y="0"/>
+          <a:ext cx="0" cy="0"/>
+          <a:chOff x="0" y="0"/>
+          <a:chExt cx="0" cy="0"/>
+        </a:xfrm>
+      </p:grpSpPr>
+      <p:grpSp>
+        <p:nvGrpSpPr>
+          <p:cNvPr id="32" name="Group 31">
+            <a:extLst>
+              <a:ext uri="{FF2B5EF4-FFF2-40B4-BE49-F238E27FC236}">
+                <a16:creationId xmlns:a16="http://schemas.microsoft.com/office/drawing/2014/main" id="{B2226CA3-5CEA-4178-B089-164D6B1A7563}"/>
+              </a:ext>
+            </a:extLst>
+          </p:cNvPr>
+          <p:cNvGrpSpPr/>
+          <p:nvPr/>
+        </p:nvGrpSpPr>
+        <p:grpSpPr>
+          <a:xfrm>
+            <a:off x="1737796" y="1060949"/>
+            <a:ext cx="4281174" cy="4945684"/>
+            <a:chOff x="1737796" y="1060949"/>
+            <a:chExt cx="4281174" cy="4945684"/>
+          </a:xfrm>
+        </p:grpSpPr>
+        <p:grpSp>
+          <p:nvGrpSpPr>
+            <p:cNvPr id="31" name="Group 30">
+              <a:extLst>
+                <a:ext uri="{FF2B5EF4-FFF2-40B4-BE49-F238E27FC236}">
+                  <a16:creationId xmlns:a16="http://schemas.microsoft.com/office/drawing/2014/main" id="{7A617712-75FD-4E48-A273-E45EB099BD3B}"/>
+                </a:ext>
+              </a:extLst>
+            </p:cNvPr>
+            <p:cNvGrpSpPr/>
+            <p:nvPr/>
+          </p:nvGrpSpPr>
+          <p:grpSpPr>
+            <a:xfrm>
+              <a:off x="1737796" y="1060949"/>
+              <a:ext cx="4281174" cy="2236710"/>
+              <a:chOff x="1534596" y="1060851"/>
+              <a:chExt cx="4281174" cy="2236710"/>
+            </a:xfrm>
+          </p:grpSpPr>
+          <p:pic>
+            <p:nvPicPr>
+              <p:cNvPr id="3" name="Picture 2">
+                <a:extLst>
+                  <a:ext uri="{FF2B5EF4-FFF2-40B4-BE49-F238E27FC236}">
+                    <a16:creationId xmlns:a16="http://schemas.microsoft.com/office/drawing/2014/main" id="{0C4F381F-0E95-4223-BA2C-D8256759BB68}"/>
+                  </a:ext>
+                </a:extLst>
+              </p:cNvPr>
+              <p:cNvPicPr>
+                <a:picLocks noChangeAspect="1"/>
+              </p:cNvPicPr>
+              <p:nvPr/>
+            </p:nvPicPr>
+            <p:blipFill>
+              <a:blip r:embed="rId2"/>
+              <a:stretch>
+                <a:fillRect/>
+              </a:stretch>
+            </p:blipFill>
+            <p:spPr>
+              <a:xfrm>
+                <a:off x="1534596" y="1060851"/>
+                <a:ext cx="4281174" cy="2236710"/>
+              </a:xfrm>
+              <a:prstGeom prst="rect">
+                <a:avLst/>
+              </a:prstGeom>
+            </p:spPr>
+          </p:pic>
+          <p:sp>
+            <p:nvSpPr>
+              <p:cNvPr id="4" name="Rectangle: Rounded Corners 3">
+                <a:extLst>
+                  <a:ext uri="{FF2B5EF4-FFF2-40B4-BE49-F238E27FC236}">
+                    <a16:creationId xmlns:a16="http://schemas.microsoft.com/office/drawing/2014/main" id="{A1C5CE8F-A2B2-43FA-9871-8F50B5135B64}"/>
+                  </a:ext>
+                </a:extLst>
+              </p:cNvPr>
+              <p:cNvSpPr/>
+              <p:nvPr/>
+            </p:nvSpPr>
+            <p:spPr>
+              <a:xfrm>
+                <a:off x="2443692" y="1597425"/>
+                <a:ext cx="462915" cy="325303"/>
+              </a:xfrm>
+              <a:prstGeom prst="roundRect">
+                <a:avLst>
+                  <a:gd name="adj" fmla="val 14324"/>
+                </a:avLst>
+              </a:prstGeom>
+              <a:solidFill>
+                <a:schemeClr val="lt1">
+                  <a:alpha val="80000"/>
+                </a:schemeClr>
+              </a:solidFill>
+              <a:ln w="28575"/>
+            </p:spPr>
+            <p:style>
+              <a:lnRef idx="2">
+                <a:schemeClr val="accent1"/>
+              </a:lnRef>
+              <a:fillRef idx="1">
+                <a:schemeClr val="lt1"/>
+              </a:fillRef>
+              <a:effectRef idx="0">
+                <a:schemeClr val="accent1"/>
+              </a:effectRef>
+              <a:fontRef idx="minor">
+                <a:schemeClr val="dk1"/>
+              </a:fontRef>
+            </p:style>
+            <p:txBody>
+              <a:bodyPr lIns="0" tIns="0" rIns="0" bIns="0" rtlCol="0" anchor="ctr"/>
+              <a:lstStyle/>
+              <a:p>
+                <a:pPr algn="ctr"/>
+                <a:r>
+                  <a:rPr lang="en-US" sz="1600" dirty="0"/>
+                  <a:t>M1</a:t>
+                </a:r>
+              </a:p>
+            </p:txBody>
+          </p:sp>
+          <p:sp>
+            <p:nvSpPr>
+              <p:cNvPr id="5" name="Rectangle: Rounded Corners 4">
+                <a:extLst>
+                  <a:ext uri="{FF2B5EF4-FFF2-40B4-BE49-F238E27FC236}">
+                    <a16:creationId xmlns:a16="http://schemas.microsoft.com/office/drawing/2014/main" id="{0057AC6D-5B8C-4343-85BA-E49F4E09CAD5}"/>
+                  </a:ext>
+                </a:extLst>
+              </p:cNvPr>
+              <p:cNvSpPr/>
+              <p:nvPr/>
+            </p:nvSpPr>
+            <p:spPr>
+              <a:xfrm>
+                <a:off x="2212234" y="2368229"/>
+                <a:ext cx="462915" cy="325303"/>
+              </a:xfrm>
+              <a:prstGeom prst="roundRect">
+                <a:avLst>
+                  <a:gd name="adj" fmla="val 14324"/>
+                </a:avLst>
+              </a:prstGeom>
+              <a:solidFill>
+                <a:schemeClr val="lt1">
+                  <a:alpha val="80000"/>
+                </a:schemeClr>
+              </a:solidFill>
+              <a:ln w="28575"/>
+            </p:spPr>
+            <p:style>
+              <a:lnRef idx="2">
+                <a:schemeClr val="accent1"/>
+              </a:lnRef>
+              <a:fillRef idx="1">
+                <a:schemeClr val="lt1"/>
+              </a:fillRef>
+              <a:effectRef idx="0">
+                <a:schemeClr val="accent1"/>
+              </a:effectRef>
+              <a:fontRef idx="minor">
+                <a:schemeClr val="dk1"/>
+              </a:fontRef>
+            </p:style>
+            <p:txBody>
+              <a:bodyPr lIns="0" tIns="0" rIns="0" bIns="0" rtlCol="0" anchor="ctr"/>
+              <a:lstStyle/>
+              <a:p>
+                <a:pPr algn="ctr"/>
+                <a:r>
+                  <a:rPr lang="en-US" sz="1600" dirty="0"/>
+                  <a:t>M2</a:t>
+                </a:r>
+              </a:p>
+            </p:txBody>
+          </p:sp>
+          <p:sp>
+            <p:nvSpPr>
+              <p:cNvPr id="6" name="Rectangle: Rounded Corners 5">
+                <a:extLst>
+                  <a:ext uri="{FF2B5EF4-FFF2-40B4-BE49-F238E27FC236}">
+                    <a16:creationId xmlns:a16="http://schemas.microsoft.com/office/drawing/2014/main" id="{C72B619B-EBDD-4501-B8E4-519D835C67F7}"/>
+                  </a:ext>
+                </a:extLst>
+              </p:cNvPr>
+              <p:cNvSpPr/>
+              <p:nvPr/>
+            </p:nvSpPr>
+            <p:spPr>
+              <a:xfrm>
+                <a:off x="3897423" y="2862551"/>
+                <a:ext cx="462915" cy="325303"/>
+              </a:xfrm>
+              <a:prstGeom prst="roundRect">
+                <a:avLst>
+                  <a:gd name="adj" fmla="val 14324"/>
+                </a:avLst>
+              </a:prstGeom>
+              <a:solidFill>
+                <a:schemeClr val="lt1">
+                  <a:alpha val="80000"/>
+                </a:schemeClr>
+              </a:solidFill>
+              <a:ln w="28575"/>
+            </p:spPr>
+            <p:style>
+              <a:lnRef idx="2">
+                <a:schemeClr val="accent1"/>
+              </a:lnRef>
+              <a:fillRef idx="1">
+                <a:schemeClr val="lt1"/>
+              </a:fillRef>
+              <a:effectRef idx="0">
+                <a:schemeClr val="accent1"/>
+              </a:effectRef>
+              <a:fontRef idx="minor">
+                <a:schemeClr val="dk1"/>
+              </a:fontRef>
+            </p:style>
+            <p:txBody>
+              <a:bodyPr lIns="0" tIns="0" rIns="0" bIns="0" rtlCol="0" anchor="ctr"/>
+              <a:lstStyle/>
+              <a:p>
+                <a:pPr algn="ctr"/>
+                <a:r>
+                  <a:rPr lang="en-US" sz="1600" dirty="0"/>
+                  <a:t>M3</a:t>
+                </a:r>
+              </a:p>
+            </p:txBody>
+          </p:sp>
+          <p:sp>
+            <p:nvSpPr>
+              <p:cNvPr id="7" name="Rectangle: Rounded Corners 6">
+                <a:extLst>
+                  <a:ext uri="{FF2B5EF4-FFF2-40B4-BE49-F238E27FC236}">
+                    <a16:creationId xmlns:a16="http://schemas.microsoft.com/office/drawing/2014/main" id="{5907D75F-85C2-49BF-96EA-8171B60E5801}"/>
+                  </a:ext>
+                </a:extLst>
+              </p:cNvPr>
+              <p:cNvSpPr/>
+              <p:nvPr/>
+            </p:nvSpPr>
+            <p:spPr>
+              <a:xfrm>
+                <a:off x="4152532" y="1933316"/>
+                <a:ext cx="462915" cy="325303"/>
+              </a:xfrm>
+              <a:prstGeom prst="roundRect">
+                <a:avLst>
+                  <a:gd name="adj" fmla="val 14324"/>
+                </a:avLst>
+              </a:prstGeom>
+              <a:solidFill>
+                <a:schemeClr val="lt1">
+                  <a:alpha val="80000"/>
+                </a:schemeClr>
+              </a:solidFill>
+              <a:ln w="28575"/>
+            </p:spPr>
+            <p:style>
+              <a:lnRef idx="2">
+                <a:schemeClr val="accent1"/>
+              </a:lnRef>
+              <a:fillRef idx="1">
+                <a:schemeClr val="lt1"/>
+              </a:fillRef>
+              <a:effectRef idx="0">
+                <a:schemeClr val="accent1"/>
+              </a:effectRef>
+              <a:fontRef idx="minor">
+                <a:schemeClr val="dk1"/>
+              </a:fontRef>
+            </p:style>
+            <p:txBody>
+              <a:bodyPr lIns="0" tIns="0" rIns="0" bIns="0" rtlCol="0" anchor="ctr"/>
+              <a:lstStyle/>
+              <a:p>
+                <a:pPr algn="ctr"/>
+                <a:r>
+                  <a:rPr lang="en-US" sz="1600" dirty="0"/>
+                  <a:t>M4</a:t>
+                </a:r>
+              </a:p>
+            </p:txBody>
+          </p:sp>
+        </p:grpSp>
+        <p:sp>
+          <p:nvSpPr>
+            <p:cNvPr id="8" name="Rectangle: Rounded Corners 7">
+              <a:extLst>
+                <a:ext uri="{FF2B5EF4-FFF2-40B4-BE49-F238E27FC236}">
+                  <a16:creationId xmlns:a16="http://schemas.microsoft.com/office/drawing/2014/main" id="{0FA88BAF-58EA-4FC0-822C-452024E0F550}"/>
+                </a:ext>
+              </a:extLst>
+            </p:cNvPr>
+            <p:cNvSpPr/>
+            <p:nvPr/>
+          </p:nvSpPr>
+          <p:spPr>
+            <a:xfrm>
+              <a:off x="2675149" y="4495232"/>
+              <a:ext cx="502609" cy="382201"/>
+            </a:xfrm>
+            <a:prstGeom prst="roundRect">
+              <a:avLst>
+                <a:gd name="adj" fmla="val 14324"/>
+              </a:avLst>
+            </a:prstGeom>
+            <a:solidFill>
+              <a:schemeClr val="lt1">
+                <a:alpha val="80000"/>
+              </a:schemeClr>
+            </a:solidFill>
+            <a:ln w="28575">
+              <a:solidFill>
+                <a:schemeClr val="tx1"/>
+              </a:solidFill>
+            </a:ln>
+          </p:spPr>
+          <p:style>
+            <a:lnRef idx="2">
+              <a:schemeClr val="accent1"/>
+            </a:lnRef>
+            <a:fillRef idx="1">
+              <a:schemeClr val="lt1"/>
+            </a:fillRef>
+            <a:effectRef idx="0">
+              <a:schemeClr val="accent1"/>
+            </a:effectRef>
+            <a:fontRef idx="minor">
+              <a:schemeClr val="dk1"/>
+            </a:fontRef>
+          </p:style>
+          <p:txBody>
+            <a:bodyPr lIns="0" tIns="0" rIns="0" bIns="0" rtlCol="0" anchor="ctr"/>
+            <a:lstStyle/>
+            <a:p>
+              <a:pPr algn="ctr"/>
+              <a:r>
+                <a:rPr lang="en-US" sz="1600" dirty="0"/>
+                <a:t>M1</a:t>
+              </a:r>
+            </a:p>
+          </p:txBody>
+        </p:sp>
+        <p:sp>
+          <p:nvSpPr>
+            <p:cNvPr id="9" name="Rectangle: Rounded Corners 8">
+              <a:extLst>
+                <a:ext uri="{FF2B5EF4-FFF2-40B4-BE49-F238E27FC236}">
+                  <a16:creationId xmlns:a16="http://schemas.microsoft.com/office/drawing/2014/main" id="{7A7CFAF7-5B64-4786-BE91-4AABC1F0FCFD}"/>
+                </a:ext>
+              </a:extLst>
+            </p:cNvPr>
+            <p:cNvSpPr/>
+            <p:nvPr/>
+          </p:nvSpPr>
+          <p:spPr>
+            <a:xfrm>
+              <a:off x="2675148" y="5624432"/>
+              <a:ext cx="502609" cy="382201"/>
+            </a:xfrm>
+            <a:prstGeom prst="roundRect">
+              <a:avLst>
+                <a:gd name="adj" fmla="val 14324"/>
+              </a:avLst>
+            </a:prstGeom>
+            <a:solidFill>
+              <a:schemeClr val="lt1">
+                <a:alpha val="80000"/>
+              </a:schemeClr>
+            </a:solidFill>
+            <a:ln w="28575">
+              <a:solidFill>
+                <a:schemeClr val="tx1"/>
+              </a:solidFill>
+            </a:ln>
+          </p:spPr>
+          <p:style>
+            <a:lnRef idx="2">
+              <a:schemeClr val="accent1"/>
+            </a:lnRef>
+            <a:fillRef idx="1">
+              <a:schemeClr val="lt1"/>
+            </a:fillRef>
+            <a:effectRef idx="0">
+              <a:schemeClr val="accent1"/>
+            </a:effectRef>
+            <a:fontRef idx="minor">
+              <a:schemeClr val="dk1"/>
+            </a:fontRef>
+          </p:style>
+          <p:txBody>
+            <a:bodyPr lIns="0" tIns="0" rIns="0" bIns="0" rtlCol="0" anchor="ctr"/>
+            <a:lstStyle/>
+            <a:p>
+              <a:pPr algn="ctr"/>
+              <a:r>
+                <a:rPr lang="en-US" sz="1600" dirty="0"/>
+                <a:t>M2</a:t>
+              </a:r>
+            </a:p>
+          </p:txBody>
+        </p:sp>
+        <p:sp>
+          <p:nvSpPr>
+            <p:cNvPr id="10" name="Rectangle: Rounded Corners 9">
+              <a:extLst>
+                <a:ext uri="{FF2B5EF4-FFF2-40B4-BE49-F238E27FC236}">
+                  <a16:creationId xmlns:a16="http://schemas.microsoft.com/office/drawing/2014/main" id="{0AECF794-B890-4717-A18F-575134DF9776}"/>
+                </a:ext>
+              </a:extLst>
+            </p:cNvPr>
+            <p:cNvSpPr/>
+            <p:nvPr/>
+          </p:nvSpPr>
+          <p:spPr>
+            <a:xfrm>
+              <a:off x="3976985" y="5623210"/>
+              <a:ext cx="502609" cy="382201"/>
+            </a:xfrm>
+            <a:prstGeom prst="roundRect">
+              <a:avLst>
+                <a:gd name="adj" fmla="val 14324"/>
+              </a:avLst>
+            </a:prstGeom>
+            <a:solidFill>
+              <a:schemeClr val="lt1">
+                <a:alpha val="80000"/>
+              </a:schemeClr>
+            </a:solidFill>
+            <a:ln w="28575">
+              <a:solidFill>
+                <a:schemeClr val="tx1"/>
+              </a:solidFill>
+            </a:ln>
+          </p:spPr>
+          <p:style>
+            <a:lnRef idx="2">
+              <a:schemeClr val="accent1"/>
+            </a:lnRef>
+            <a:fillRef idx="1">
+              <a:schemeClr val="lt1"/>
+            </a:fillRef>
+            <a:effectRef idx="0">
+              <a:schemeClr val="accent1"/>
+            </a:effectRef>
+            <a:fontRef idx="minor">
+              <a:schemeClr val="dk1"/>
+            </a:fontRef>
+          </p:style>
+          <p:txBody>
+            <a:bodyPr lIns="0" tIns="0" rIns="0" bIns="0" rtlCol="0" anchor="ctr"/>
+            <a:lstStyle/>
+            <a:p>
+              <a:pPr algn="ctr"/>
+              <a:r>
+                <a:rPr lang="en-US" sz="1600" dirty="0"/>
+                <a:t>M3</a:t>
+              </a:r>
+            </a:p>
+          </p:txBody>
+        </p:sp>
+        <p:sp>
+          <p:nvSpPr>
+            <p:cNvPr id="11" name="Rectangle: Rounded Corners 10">
+              <a:extLst>
+                <a:ext uri="{FF2B5EF4-FFF2-40B4-BE49-F238E27FC236}">
+                  <a16:creationId xmlns:a16="http://schemas.microsoft.com/office/drawing/2014/main" id="{75413EFE-DCCB-4BDE-8BBF-497E833319B6}"/>
+                </a:ext>
+              </a:extLst>
+            </p:cNvPr>
+            <p:cNvSpPr/>
+            <p:nvPr/>
+          </p:nvSpPr>
+          <p:spPr>
+            <a:xfrm>
+              <a:off x="3976984" y="4495232"/>
+              <a:ext cx="502609" cy="382201"/>
+            </a:xfrm>
+            <a:prstGeom prst="roundRect">
+              <a:avLst>
+                <a:gd name="adj" fmla="val 14324"/>
+              </a:avLst>
+            </a:prstGeom>
+            <a:solidFill>
+              <a:schemeClr val="lt1">
+                <a:alpha val="80000"/>
+              </a:schemeClr>
+            </a:solidFill>
+            <a:ln w="28575">
+              <a:solidFill>
+                <a:schemeClr val="tx1"/>
+              </a:solidFill>
+            </a:ln>
+          </p:spPr>
+          <p:style>
+            <a:lnRef idx="2">
+              <a:schemeClr val="accent1"/>
+            </a:lnRef>
+            <a:fillRef idx="1">
+              <a:schemeClr val="lt1"/>
+            </a:fillRef>
+            <a:effectRef idx="0">
+              <a:schemeClr val="accent1"/>
+            </a:effectRef>
+            <a:fontRef idx="minor">
+              <a:schemeClr val="dk1"/>
+            </a:fontRef>
+          </p:style>
+          <p:txBody>
+            <a:bodyPr lIns="0" tIns="0" rIns="0" bIns="0" rtlCol="0" anchor="ctr"/>
+            <a:lstStyle/>
+            <a:p>
+              <a:pPr algn="ctr"/>
+              <a:r>
+                <a:rPr lang="en-US" sz="1600" dirty="0"/>
+                <a:t>M4</a:t>
+              </a:r>
+            </a:p>
+          </p:txBody>
+        </p:sp>
+        <p:sp>
+          <p:nvSpPr>
+            <p:cNvPr id="16" name="Arrow: Right 15">
+              <a:extLst>
+                <a:ext uri="{FF2B5EF4-FFF2-40B4-BE49-F238E27FC236}">
+                  <a16:creationId xmlns:a16="http://schemas.microsoft.com/office/drawing/2014/main" id="{47CC9F36-4DC0-40BA-A87D-85C084F0503D}"/>
+                </a:ext>
+              </a:extLst>
+            </p:cNvPr>
+            <p:cNvSpPr/>
+            <p:nvPr/>
+          </p:nvSpPr>
+          <p:spPr>
+            <a:xfrm rot="5400000">
+              <a:off x="3360931" y="3713340"/>
+              <a:ext cx="432877" cy="366114"/>
+            </a:xfrm>
+            <a:prstGeom prst="rightArrow">
+              <a:avLst/>
+            </a:prstGeom>
+            <a:solidFill>
+              <a:schemeClr val="bg1"/>
+            </a:solidFill>
+            <a:ln w="15875">
+              <a:solidFill>
+                <a:schemeClr val="tx1"/>
+              </a:solidFill>
+            </a:ln>
+          </p:spPr>
+          <p:style>
+            <a:lnRef idx="2">
+              <a:schemeClr val="accent1">
+                <a:shade val="50000"/>
+              </a:schemeClr>
+            </a:lnRef>
+            <a:fillRef idx="1">
+              <a:schemeClr val="accent1"/>
+            </a:fillRef>
+            <a:effectRef idx="0">
+              <a:schemeClr val="accent1"/>
+            </a:effectRef>
+            <a:fontRef idx="minor">
+              <a:schemeClr val="lt1"/>
+            </a:fontRef>
+          </p:style>
+          <p:txBody>
+            <a:bodyPr rtlCol="0" anchor="ctr"/>
+            <a:lstStyle/>
+            <a:p>
+              <a:pPr algn="ctr"/>
+              <a:endParaRPr lang="en-US"/>
+            </a:p>
+          </p:txBody>
+        </p:sp>
+        <p:cxnSp>
+          <p:nvCxnSpPr>
+            <p:cNvPr id="18" name="Straight Arrow Connector 17">
+              <a:extLst>
+                <a:ext uri="{FF2B5EF4-FFF2-40B4-BE49-F238E27FC236}">
+                  <a16:creationId xmlns:a16="http://schemas.microsoft.com/office/drawing/2014/main" id="{530E7E2C-2E69-4FDD-A0A3-A32D2ADE5B72}"/>
+                </a:ext>
+              </a:extLst>
+            </p:cNvPr>
+            <p:cNvCxnSpPr>
+              <a:stCxn id="9" idx="0"/>
+              <a:endCxn id="8" idx="2"/>
+            </p:cNvCxnSpPr>
+            <p:nvPr/>
+          </p:nvCxnSpPr>
+          <p:spPr>
+            <a:xfrm flipV="1">
+              <a:off x="2926453" y="4877433"/>
+              <a:ext cx="1" cy="746999"/>
+            </a:xfrm>
+            <a:prstGeom prst="straightConnector1">
+              <a:avLst/>
+            </a:prstGeom>
+            <a:ln w="22225">
+              <a:solidFill>
+                <a:schemeClr val="tx1"/>
+              </a:solidFill>
+              <a:headEnd type="triangle" w="lg" len="lg"/>
+              <a:tailEnd type="triangle" w="lg" len="lg"/>
+            </a:ln>
+          </p:spPr>
+          <p:style>
+            <a:lnRef idx="1">
+              <a:schemeClr val="accent1"/>
+            </a:lnRef>
+            <a:fillRef idx="0">
+              <a:schemeClr val="accent1"/>
+            </a:fillRef>
+            <a:effectRef idx="0">
+              <a:schemeClr val="accent1"/>
+            </a:effectRef>
+            <a:fontRef idx="minor">
+              <a:schemeClr val="tx1"/>
+            </a:fontRef>
+          </p:style>
+        </p:cxnSp>
+        <p:cxnSp>
+          <p:nvCxnSpPr>
+            <p:cNvPr id="19" name="Straight Arrow Connector 18">
+              <a:extLst>
+                <a:ext uri="{FF2B5EF4-FFF2-40B4-BE49-F238E27FC236}">
+                  <a16:creationId xmlns:a16="http://schemas.microsoft.com/office/drawing/2014/main" id="{3475B5A7-45B3-43ED-8C82-E806967A395D}"/>
+                </a:ext>
+              </a:extLst>
+            </p:cNvPr>
+            <p:cNvCxnSpPr>
+              <a:cxnSpLocks/>
+            </p:cNvCxnSpPr>
+            <p:nvPr/>
+          </p:nvCxnSpPr>
+          <p:spPr>
+            <a:xfrm flipH="1" flipV="1">
+              <a:off x="3177757" y="4877434"/>
+              <a:ext cx="799227" cy="745776"/>
+            </a:xfrm>
+            <a:prstGeom prst="straightConnector1">
+              <a:avLst/>
+            </a:prstGeom>
+            <a:ln w="22225">
+              <a:solidFill>
+                <a:schemeClr val="tx1"/>
+              </a:solidFill>
+              <a:headEnd type="triangle" w="lg" len="lg"/>
+              <a:tailEnd type="triangle" w="lg" len="lg"/>
+            </a:ln>
+          </p:spPr>
+          <p:style>
+            <a:lnRef idx="1">
+              <a:schemeClr val="accent1"/>
+            </a:lnRef>
+            <a:fillRef idx="0">
+              <a:schemeClr val="accent1"/>
+            </a:fillRef>
+            <a:effectRef idx="0">
+              <a:schemeClr val="accent1"/>
+            </a:effectRef>
+            <a:fontRef idx="minor">
+              <a:schemeClr val="tx1"/>
+            </a:fontRef>
+          </p:style>
+        </p:cxnSp>
+        <p:cxnSp>
+          <p:nvCxnSpPr>
+            <p:cNvPr id="22" name="Straight Arrow Connector 21">
+              <a:extLst>
+                <a:ext uri="{FF2B5EF4-FFF2-40B4-BE49-F238E27FC236}">
+                  <a16:creationId xmlns:a16="http://schemas.microsoft.com/office/drawing/2014/main" id="{A86DBC3D-04D7-4F3B-845C-C48BB069296C}"/>
+                </a:ext>
+              </a:extLst>
+            </p:cNvPr>
+            <p:cNvCxnSpPr>
+              <a:cxnSpLocks/>
+              <a:stCxn id="10" idx="1"/>
+              <a:endCxn id="9" idx="3"/>
+            </p:cNvCxnSpPr>
+            <p:nvPr/>
+          </p:nvCxnSpPr>
+          <p:spPr>
+            <a:xfrm flipH="1">
+              <a:off x="3177757" y="5814311"/>
+              <a:ext cx="799228" cy="1222"/>
+            </a:xfrm>
+            <a:prstGeom prst="straightConnector1">
+              <a:avLst/>
+            </a:prstGeom>
+            <a:ln w="22225">
+              <a:solidFill>
+                <a:schemeClr val="tx1"/>
+              </a:solidFill>
+              <a:headEnd type="triangle" w="lg" len="lg"/>
+              <a:tailEnd type="triangle" w="lg" len="lg"/>
+            </a:ln>
+          </p:spPr>
+          <p:style>
+            <a:lnRef idx="1">
+              <a:schemeClr val="accent1"/>
+            </a:lnRef>
+            <a:fillRef idx="0">
+              <a:schemeClr val="accent1"/>
+            </a:fillRef>
+            <a:effectRef idx="0">
+              <a:schemeClr val="accent1"/>
+            </a:effectRef>
+            <a:fontRef idx="minor">
+              <a:schemeClr val="tx1"/>
+            </a:fontRef>
+          </p:style>
+        </p:cxnSp>
+        <p:cxnSp>
+          <p:nvCxnSpPr>
+            <p:cNvPr id="25" name="Straight Arrow Connector 24">
+              <a:extLst>
+                <a:ext uri="{FF2B5EF4-FFF2-40B4-BE49-F238E27FC236}">
+                  <a16:creationId xmlns:a16="http://schemas.microsoft.com/office/drawing/2014/main" id="{6BF51AC4-165E-4C92-8839-E42E528DB808}"/>
+                </a:ext>
+              </a:extLst>
+            </p:cNvPr>
+            <p:cNvCxnSpPr>
+              <a:cxnSpLocks/>
+              <a:stCxn id="11" idx="2"/>
+              <a:endCxn id="10" idx="0"/>
+            </p:cNvCxnSpPr>
+            <p:nvPr/>
+          </p:nvCxnSpPr>
+          <p:spPr>
+            <a:xfrm>
+              <a:off x="4228289" y="4877433"/>
+              <a:ext cx="1" cy="745777"/>
+            </a:xfrm>
+            <a:prstGeom prst="straightConnector1">
+              <a:avLst/>
+            </a:prstGeom>
+            <a:ln w="22225">
+              <a:solidFill>
+                <a:schemeClr val="tx1"/>
+              </a:solidFill>
+              <a:headEnd type="triangle" w="lg" len="lg"/>
+              <a:tailEnd type="triangle" w="lg" len="lg"/>
+            </a:ln>
+          </p:spPr>
+          <p:style>
+            <a:lnRef idx="1">
+              <a:schemeClr val="accent1"/>
+            </a:lnRef>
+            <a:fillRef idx="0">
+              <a:schemeClr val="accent1"/>
+            </a:fillRef>
+            <a:effectRef idx="0">
+              <a:schemeClr val="accent1"/>
+            </a:effectRef>
+            <a:fontRef idx="minor">
+              <a:schemeClr val="tx1"/>
+            </a:fontRef>
+          </p:style>
+        </p:cxnSp>
+      </p:grpSp>
+    </p:spTree>
+    <p:extLst>
+      <p:ext uri="{BB962C8B-B14F-4D97-AF65-F5344CB8AC3E}">
+        <p14:creationId xmlns:p14="http://schemas.microsoft.com/office/powerpoint/2010/main" val="2090296605"/>
+      </p:ext>
+    </p:extLst>
+  </p:cSld>
+  <p:clrMapOvr>
+    <a:masterClrMapping/>
+  </p:clrMapOvr>
+</p:sld>
+</file>
+
 <file path=ppt/theme/theme1.xml><?xml version="1.0" encoding="utf-8"?>
 <a:theme xmlns:a="http://schemas.openxmlformats.org/drawingml/2006/main" name="Office Theme">
   <a:themeElements>
